--- a/Kick-off/Pressure Cooker.pptx
+++ b/Kick-off/Pressure Cooker.pptx
@@ -11,7 +11,9 @@
     <p:sldId id="262" r:id="rId5"/>
     <p:sldId id="263" r:id="rId6"/>
     <p:sldId id="264" r:id="rId7"/>
-    <p:sldId id="265" r:id="rId8"/>
+    <p:sldId id="266" r:id="rId8"/>
+    <p:sldId id="267" r:id="rId9"/>
+    <p:sldId id="265" r:id="rId10"/>
   </p:sldIdLst>
   <p:sldSz cx="12192000" cy="6858000"/>
   <p:notesSz cx="6858000" cy="9144000"/>
@@ -110,6 +112,11 @@
       </a:defRPr>
     </a:lvl9pPr>
   </p:defaultTextStyle>
+  <p:extLst>
+    <p:ext uri="{EFAFB233-063F-42B5-8137-9DF3F51BA10A}">
+      <p15:sldGuideLst xmlns:p15="http://schemas.microsoft.com/office/powerpoint/2012/main"/>
+    </p:ext>
+  </p:extLst>
 </p:presentation>
 </file>
 
@@ -7290,25 +7297,32 @@
             <a:off x="1690673" y="4507230"/>
             <a:ext cx="2952750" cy="2228850"/>
           </a:xfrm>
-          <a:prstGeom prst="rect">
-            <a:avLst/>
+          <a:prstGeom prst="roundRect">
+            <a:avLst>
+              <a:gd name="adj" fmla="val 16667"/>
+            </a:avLst>
           </a:prstGeom>
           <a:ln>
             <a:noFill/>
           </a:ln>
           <a:effectLst>
-            <a:reflection blurRad="12700" stA="30000" endPos="30000" dist="5000" dir="5400000" sy="-100000" algn="bl" rotWithShape="0"/>
+            <a:outerShdw blurRad="76200" dist="38100" dir="7800000" algn="tl" rotWithShape="0">
+              <a:srgbClr val="000000">
+                <a:alpha val="40000"/>
+              </a:srgbClr>
+            </a:outerShdw>
           </a:effectLst>
           <a:scene3d>
-            <a:camera prst="perspectiveContrastingLeftFacing">
-              <a:rot lat="300000" lon="19800000" rev="0"/>
-            </a:camera>
-            <a:lightRig rig="threePt" dir="t">
-              <a:rot lat="0" lon="0" rev="2700000"/>
+            <a:camera prst="orthographicFront"/>
+            <a:lightRig rig="contrasting" dir="t">
+              <a:rot lat="0" lon="0" rev="4200000"/>
             </a:lightRig>
           </a:scene3d>
-          <a:sp3d>
-            <a:bevelT w="63500" h="50800"/>
+          <a:sp3d prstMaterial="plastic">
+            <a:bevelT w="381000" h="114300" prst="relaxedInset"/>
+            <a:contourClr>
+              <a:srgbClr val="969696"/>
+            </a:contourClr>
           </a:sp3d>
           <a:extLst>
             <a:ext uri="{53640926-AAD7-44D8-BBD7-CCE9431645EC}">
@@ -8622,6 +8636,951 @@
 </file>
 
 <file path=ppt/slides/slide7.xml><?xml version="1.0" encoding="utf-8"?>
+<p:sld xmlns:a="http://schemas.openxmlformats.org/drawingml/2006/main" xmlns:r="http://schemas.openxmlformats.org/officeDocument/2006/relationships" xmlns:p="http://schemas.openxmlformats.org/presentationml/2006/main">
+  <p:cSld>
+    <p:bg>
+      <p:bgPr>
+        <a:solidFill>
+          <a:schemeClr val="bg1">
+            <a:tint val="95000"/>
+            <a:satMod val="170000"/>
+          </a:schemeClr>
+        </a:solidFill>
+        <a:effectLst/>
+      </p:bgPr>
+    </p:bg>
+    <p:spTree>
+      <p:nvGrpSpPr>
+        <p:cNvPr id="1" name=""/>
+        <p:cNvGrpSpPr/>
+        <p:nvPr/>
+      </p:nvGrpSpPr>
+      <p:grpSpPr>
+        <a:xfrm>
+          <a:off x="0" y="0"/>
+          <a:ext cx="0" cy="0"/>
+          <a:chOff x="0" y="0"/>
+          <a:chExt cx="0" cy="0"/>
+        </a:xfrm>
+      </p:grpSpPr>
+      <p:sp useBgFill="1">
+        <p:nvSpPr>
+          <p:cNvPr id="19" name="Rectangle 18">
+            <a:extLst>
+              <a:ext uri="{FF2B5EF4-FFF2-40B4-BE49-F238E27FC236}">
+                <a16:creationId xmlns:a16="http://schemas.microsoft.com/office/drawing/2014/main" id="{8537B233-9CDD-4A90-AABB-A8963DEE4FBC}"/>
+              </a:ext>
+              <a:ext uri="{C183D7F6-B498-43B3-948B-1728B52AA6E4}">
+                <adec:decorative xmlns:adec="http://schemas.microsoft.com/office/drawing/2017/decorative" val="1"/>
+              </a:ext>
+            </a:extLst>
+          </p:cNvPr>
+          <p:cNvSpPr>
+            <a:spLocks noGrp="1" noRot="1" noChangeAspect="1" noMove="1" noResize="1" noEditPoints="1" noAdjustHandles="1" noChangeArrowheads="1" noChangeShapeType="1" noTextEdit="1"/>
+          </p:cNvSpPr>
+          <p:nvPr>
+            <p:extLst>
+              <p:ext uri="{386F3935-93C4-4BCD-93E2-E3B085C9AB24}">
+                <p16:designElem xmlns:p16="http://schemas.microsoft.com/office/powerpoint/2015/main" val="1"/>
+              </p:ext>
+            </p:extLst>
+          </p:nvPr>
+        </p:nvSpPr>
+        <p:spPr>
+          <a:xfrm>
+            <a:off x="0" y="1"/>
+            <a:ext cx="12192000" cy="6858000"/>
+          </a:xfrm>
+          <a:prstGeom prst="rect">
+            <a:avLst/>
+          </a:prstGeom>
+          <a:ln>
+            <a:noFill/>
+          </a:ln>
+        </p:spPr>
+        <p:style>
+          <a:lnRef idx="2">
+            <a:schemeClr val="accent1">
+              <a:shade val="50000"/>
+            </a:schemeClr>
+          </a:lnRef>
+          <a:fillRef idx="1">
+            <a:schemeClr val="accent1"/>
+          </a:fillRef>
+          <a:effectRef idx="0">
+            <a:schemeClr val="accent1"/>
+          </a:effectRef>
+          <a:fontRef idx="minor">
+            <a:schemeClr val="lt1"/>
+          </a:fontRef>
+        </p:style>
+        <p:txBody>
+          <a:bodyPr rtlCol="0" anchor="ctr"/>
+          <a:lstStyle/>
+          <a:p>
+            <a:pPr marL="0" marR="0" lvl="0" indent="0" algn="ctr" defTabSz="914400" rtl="0" eaLnBrk="1" fontAlgn="auto" latinLnBrk="0" hangingPunct="1">
+              <a:lnSpc>
+                <a:spcPct val="100000"/>
+              </a:lnSpc>
+              <a:spcBef>
+                <a:spcPts val="0"/>
+              </a:spcBef>
+              <a:spcAft>
+                <a:spcPts val="0"/>
+              </a:spcAft>
+              <a:buClrTx/>
+              <a:buSzTx/>
+              <a:buFontTx/>
+              <a:buNone/>
+              <a:tabLst/>
+              <a:defRPr/>
+            </a:pPr>
+            <a:endParaRPr kumimoji="0" lang="en-US" sz="1800" b="0" i="0" u="none" strike="noStrike" kern="1200" cap="none" spc="0" normalizeH="0" baseline="0" noProof="0">
+              <a:ln>
+                <a:noFill/>
+              </a:ln>
+              <a:solidFill>
+                <a:prstClr val="white"/>
+              </a:solidFill>
+              <a:effectLst/>
+              <a:uLnTx/>
+              <a:uFillTx/>
+              <a:latin typeface="Tw Cen MT" panose="020B0602020104020603"/>
+              <a:ea typeface="+mn-ea"/>
+              <a:cs typeface="+mn-cs"/>
+            </a:endParaRPr>
+          </a:p>
+        </p:txBody>
+      </p:sp>
+      <p:cxnSp>
+        <p:nvCxnSpPr>
+          <p:cNvPr id="21" name="Straight Connector 20">
+            <a:extLst>
+              <a:ext uri="{FF2B5EF4-FFF2-40B4-BE49-F238E27FC236}">
+                <a16:creationId xmlns:a16="http://schemas.microsoft.com/office/drawing/2014/main" id="{040575EE-C594-4566-BC00-663004E52AB5}"/>
+              </a:ext>
+              <a:ext uri="{C183D7F6-B498-43B3-948B-1728B52AA6E4}">
+                <adec:decorative xmlns:adec="http://schemas.microsoft.com/office/drawing/2017/decorative" val="1"/>
+              </a:ext>
+            </a:extLst>
+          </p:cNvPr>
+          <p:cNvCxnSpPr>
+            <a:cxnSpLocks noGrp="1" noRot="1" noChangeAspect="1" noMove="1" noResize="1" noEditPoints="1" noAdjustHandles="1" noChangeArrowheads="1" noChangeShapeType="1"/>
+          </p:cNvCxnSpPr>
+          <p:nvPr>
+            <p:extLst>
+              <p:ext uri="{386F3935-93C4-4BCD-93E2-E3B085C9AB24}">
+                <p16:designElem xmlns:p16="http://schemas.microsoft.com/office/powerpoint/2015/main" val="1"/>
+              </p:ext>
+            </p:extLst>
+          </p:nvPr>
+        </p:nvCxnSpPr>
+        <p:spPr>
+          <a:xfrm>
+            <a:off x="6150123" y="1417320"/>
+            <a:ext cx="0" cy="4023360"/>
+          </a:xfrm>
+          <a:prstGeom prst="line">
+            <a:avLst/>
+          </a:prstGeom>
+          <a:ln w="15875">
+            <a:solidFill>
+              <a:schemeClr val="tx1"/>
+            </a:solidFill>
+          </a:ln>
+        </p:spPr>
+        <p:style>
+          <a:lnRef idx="1">
+            <a:schemeClr val="accent1"/>
+          </a:lnRef>
+          <a:fillRef idx="0">
+            <a:schemeClr val="accent1"/>
+          </a:fillRef>
+          <a:effectRef idx="0">
+            <a:schemeClr val="accent1"/>
+          </a:effectRef>
+          <a:fontRef idx="minor">
+            <a:schemeClr val="tx1"/>
+          </a:fontRef>
+        </p:style>
+      </p:cxnSp>
+      <p:pic>
+        <p:nvPicPr>
+          <p:cNvPr id="6" name="Afbeelding 5">
+            <a:extLst>
+              <a:ext uri="{FF2B5EF4-FFF2-40B4-BE49-F238E27FC236}">
+                <a16:creationId xmlns:a16="http://schemas.microsoft.com/office/drawing/2014/main" id="{EC83B80F-78EC-491E-8735-21E685B9FF31}"/>
+              </a:ext>
+            </a:extLst>
+          </p:cNvPr>
+          <p:cNvPicPr>
+            <a:picLocks noChangeAspect="1"/>
+          </p:cNvPicPr>
+          <p:nvPr/>
+        </p:nvPicPr>
+        <p:blipFill>
+          <a:blip r:embed="rId2"/>
+          <a:stretch>
+            <a:fillRect/>
+          </a:stretch>
+        </p:blipFill>
+        <p:spPr>
+          <a:xfrm>
+            <a:off x="5972157" y="1047417"/>
+            <a:ext cx="247685" cy="4763165"/>
+          </a:xfrm>
+          <a:prstGeom prst="rect">
+            <a:avLst/>
+          </a:prstGeom>
+        </p:spPr>
+      </p:pic>
+      <p:sp>
+        <p:nvSpPr>
+          <p:cNvPr id="2" name="Tekstvak 1">
+            <a:extLst>
+              <a:ext uri="{FF2B5EF4-FFF2-40B4-BE49-F238E27FC236}">
+                <a16:creationId xmlns:a16="http://schemas.microsoft.com/office/drawing/2014/main" id="{630CA4D2-D2BF-44EF-94A5-93594FDD982F}"/>
+              </a:ext>
+            </a:extLst>
+          </p:cNvPr>
+          <p:cNvSpPr txBox="1"/>
+          <p:nvPr/>
+        </p:nvSpPr>
+        <p:spPr>
+          <a:xfrm>
+            <a:off x="2986826" y="1063377"/>
+            <a:ext cx="5970661" cy="707886"/>
+          </a:xfrm>
+          <a:prstGeom prst="rect">
+            <a:avLst/>
+          </a:prstGeom>
+          <a:noFill/>
+        </p:spPr>
+        <p:txBody>
+          <a:bodyPr wrap="square" rtlCol="0">
+            <a:spAutoFit/>
+          </a:bodyPr>
+          <a:lstStyle/>
+          <a:p>
+            <a:pPr algn="ctr"/>
+            <a:r>
+              <a:rPr lang="nl-NL" sz="4000" dirty="0"/>
+              <a:t>Why a mobile app?</a:t>
+            </a:r>
+          </a:p>
+        </p:txBody>
+      </p:sp>
+      <p:sp>
+        <p:nvSpPr>
+          <p:cNvPr id="3" name="Tekstvak 2">
+            <a:extLst>
+              <a:ext uri="{FF2B5EF4-FFF2-40B4-BE49-F238E27FC236}">
+                <a16:creationId xmlns:a16="http://schemas.microsoft.com/office/drawing/2014/main" id="{97643FDB-918A-4BEC-A62D-3CA5D2C5BDDA}"/>
+              </a:ext>
+            </a:extLst>
+          </p:cNvPr>
+          <p:cNvSpPr txBox="1"/>
+          <p:nvPr/>
+        </p:nvSpPr>
+        <p:spPr>
+          <a:xfrm>
+            <a:off x="914401" y="1946113"/>
+            <a:ext cx="11178071" cy="2842830"/>
+          </a:xfrm>
+          <a:prstGeom prst="rect">
+            <a:avLst/>
+          </a:prstGeom>
+          <a:noFill/>
+        </p:spPr>
+        <p:txBody>
+          <a:bodyPr wrap="square" rtlCol="0">
+            <a:spAutoFit/>
+          </a:bodyPr>
+          <a:lstStyle/>
+          <a:p>
+            <a:pPr marL="342900" lvl="0" indent="-342900">
+              <a:lnSpc>
+                <a:spcPct val="107000"/>
+              </a:lnSpc>
+              <a:buFont typeface="Calibri" panose="020F0502020204030204" pitchFamily="34" charset="0"/>
+              <a:buChar char="-"/>
+            </a:pPr>
+            <a:r>
+              <a:rPr lang="en-NL" sz="1800" dirty="0">
+                <a:effectLst/>
+                <a:latin typeface="Calibri" panose="020F0502020204030204" pitchFamily="34" charset="0"/>
+                <a:ea typeface="Calibri" panose="020F0502020204030204" pitchFamily="34" charset="0"/>
+                <a:cs typeface="Arial" panose="020B0604020202020204" pitchFamily="34" charset="0"/>
+              </a:rPr>
+              <a:t>People just like to quickly see what’s new (they’re lazy)</a:t>
+            </a:r>
+            <a:endParaRPr lang="nl-NL" sz="1800" dirty="0">
+              <a:effectLst/>
+              <a:latin typeface="Calibri" panose="020F0502020204030204" pitchFamily="34" charset="0"/>
+              <a:ea typeface="Calibri" panose="020F0502020204030204" pitchFamily="34" charset="0"/>
+              <a:cs typeface="Arial" panose="020B0604020202020204" pitchFamily="34" charset="0"/>
+            </a:endParaRPr>
+          </a:p>
+          <a:p>
+            <a:pPr marL="342900" lvl="0" indent="-342900">
+              <a:lnSpc>
+                <a:spcPct val="107000"/>
+              </a:lnSpc>
+              <a:buFont typeface="Calibri" panose="020F0502020204030204" pitchFamily="34" charset="0"/>
+              <a:buChar char="-"/>
+            </a:pPr>
+            <a:r>
+              <a:rPr lang="en-NL" sz="1800" dirty="0">
+                <a:effectLst/>
+                <a:latin typeface="Calibri" panose="020F0502020204030204" pitchFamily="34" charset="0"/>
+                <a:ea typeface="Calibri" panose="020F0502020204030204" pitchFamily="34" charset="0"/>
+                <a:cs typeface="Arial" panose="020B0604020202020204" pitchFamily="34" charset="0"/>
+              </a:rPr>
+              <a:t>Pop-up notifications</a:t>
+            </a:r>
+            <a:endParaRPr lang="nl-NL" sz="1800" dirty="0">
+              <a:effectLst/>
+              <a:latin typeface="Calibri" panose="020F0502020204030204" pitchFamily="34" charset="0"/>
+              <a:ea typeface="Calibri" panose="020F0502020204030204" pitchFamily="34" charset="0"/>
+              <a:cs typeface="Arial" panose="020B0604020202020204" pitchFamily="34" charset="0"/>
+            </a:endParaRPr>
+          </a:p>
+          <a:p>
+            <a:pPr marL="342900" lvl="0" indent="-342900">
+              <a:lnSpc>
+                <a:spcPct val="107000"/>
+              </a:lnSpc>
+              <a:buFont typeface="Calibri" panose="020F0502020204030204" pitchFamily="34" charset="0"/>
+              <a:buChar char="-"/>
+            </a:pPr>
+            <a:r>
+              <a:rPr lang="en-NL" sz="1800" dirty="0">
+                <a:effectLst/>
+                <a:latin typeface="Calibri" panose="020F0502020204030204" pitchFamily="34" charset="0"/>
+                <a:ea typeface="Calibri" panose="020F0502020204030204" pitchFamily="34" charset="0"/>
+                <a:cs typeface="Arial" panose="020B0604020202020204" pitchFamily="34" charset="0"/>
+              </a:rPr>
+              <a:t>Camera</a:t>
+            </a:r>
+            <a:r>
+              <a:rPr lang="nl-NL" sz="1800" dirty="0">
+                <a:effectLst/>
+                <a:latin typeface="Calibri" panose="020F0502020204030204" pitchFamily="34" charset="0"/>
+                <a:ea typeface="Calibri" panose="020F0502020204030204" pitchFamily="34" charset="0"/>
+                <a:cs typeface="Arial" panose="020B0604020202020204" pitchFamily="34" charset="0"/>
+              </a:rPr>
+              <a:t> usage for reviews or confirmation</a:t>
+            </a:r>
+            <a:r>
+              <a:rPr lang="nl-NL" dirty="0">
+                <a:latin typeface="Calibri" panose="020F0502020204030204" pitchFamily="34" charset="0"/>
+                <a:ea typeface="Calibri" panose="020F0502020204030204" pitchFamily="34" charset="0"/>
+                <a:cs typeface="Arial" panose="020B0604020202020204" pitchFamily="34" charset="0"/>
+              </a:rPr>
+              <a:t>.</a:t>
+            </a:r>
+            <a:endParaRPr lang="nl-NL" sz="1800" dirty="0">
+              <a:effectLst/>
+              <a:latin typeface="Calibri" panose="020F0502020204030204" pitchFamily="34" charset="0"/>
+              <a:ea typeface="Calibri" panose="020F0502020204030204" pitchFamily="34" charset="0"/>
+              <a:cs typeface="Arial" panose="020B0604020202020204" pitchFamily="34" charset="0"/>
+            </a:endParaRPr>
+          </a:p>
+          <a:p>
+            <a:pPr marL="342900" lvl="0" indent="-342900">
+              <a:lnSpc>
+                <a:spcPct val="107000"/>
+              </a:lnSpc>
+              <a:buFont typeface="Calibri" panose="020F0502020204030204" pitchFamily="34" charset="0"/>
+              <a:buChar char="-"/>
+            </a:pPr>
+            <a:r>
+              <a:rPr lang="en-NL" sz="1800" dirty="0">
+                <a:effectLst/>
+                <a:latin typeface="Calibri" panose="020F0502020204030204" pitchFamily="34" charset="0"/>
+                <a:ea typeface="Calibri" panose="020F0502020204030204" pitchFamily="34" charset="0"/>
+                <a:cs typeface="Arial" panose="020B0604020202020204" pitchFamily="34" charset="0"/>
+              </a:rPr>
+              <a:t>Quick sign in (touch/face id)</a:t>
+            </a:r>
+            <a:endParaRPr lang="nl-NL" sz="1800" dirty="0">
+              <a:effectLst/>
+              <a:latin typeface="Calibri" panose="020F0502020204030204" pitchFamily="34" charset="0"/>
+              <a:ea typeface="Calibri" panose="020F0502020204030204" pitchFamily="34" charset="0"/>
+              <a:cs typeface="Arial" panose="020B0604020202020204" pitchFamily="34" charset="0"/>
+            </a:endParaRPr>
+          </a:p>
+          <a:p>
+            <a:pPr marL="342900" lvl="0" indent="-342900">
+              <a:lnSpc>
+                <a:spcPct val="107000"/>
+              </a:lnSpc>
+              <a:buFont typeface="Calibri" panose="020F0502020204030204" pitchFamily="34" charset="0"/>
+              <a:buChar char="-"/>
+            </a:pPr>
+            <a:r>
+              <a:rPr lang="nl-NL" dirty="0">
+                <a:latin typeface="Calibri" panose="020F0502020204030204" pitchFamily="34" charset="0"/>
+                <a:ea typeface="Calibri" panose="020F0502020204030204" pitchFamily="34" charset="0"/>
+                <a:cs typeface="Arial" panose="020B0604020202020204" pitchFamily="34" charset="0"/>
+              </a:rPr>
+              <a:t>Possible c</a:t>
+            </a:r>
+            <a:r>
+              <a:rPr lang="en-NL" sz="1800" dirty="0">
+                <a:effectLst/>
+                <a:latin typeface="Calibri" panose="020F0502020204030204" pitchFamily="34" charset="0"/>
+                <a:ea typeface="Calibri" panose="020F0502020204030204" pitchFamily="34" charset="0"/>
+                <a:cs typeface="Arial" panose="020B0604020202020204" pitchFamily="34" charset="0"/>
+              </a:rPr>
+              <a:t>hat with product owner</a:t>
+            </a:r>
+            <a:endParaRPr lang="nl-NL" sz="1800" dirty="0">
+              <a:effectLst/>
+              <a:latin typeface="Calibri" panose="020F0502020204030204" pitchFamily="34" charset="0"/>
+              <a:ea typeface="Calibri" panose="020F0502020204030204" pitchFamily="34" charset="0"/>
+              <a:cs typeface="Arial" panose="020B0604020202020204" pitchFamily="34" charset="0"/>
+            </a:endParaRPr>
+          </a:p>
+          <a:p>
+            <a:pPr marL="342900" lvl="0" indent="-342900">
+              <a:lnSpc>
+                <a:spcPct val="107000"/>
+              </a:lnSpc>
+              <a:buFont typeface="Calibri" panose="020F0502020204030204" pitchFamily="34" charset="0"/>
+              <a:buChar char="-"/>
+            </a:pPr>
+            <a:r>
+              <a:rPr lang="en-NL" sz="1800" dirty="0">
+                <a:effectLst/>
+                <a:latin typeface="Calibri" panose="020F0502020204030204" pitchFamily="34" charset="0"/>
+                <a:ea typeface="Calibri" panose="020F0502020204030204" pitchFamily="34" charset="0"/>
+                <a:cs typeface="Arial" panose="020B0604020202020204" pitchFamily="34" charset="0"/>
+              </a:rPr>
+              <a:t>It’s conveniently always with you, so you can even ‘work’ in the train or bus (</a:t>
+            </a:r>
+            <a:r>
+              <a:rPr lang="nl-NL" sz="1800" dirty="0">
+                <a:effectLst/>
+                <a:latin typeface="Calibri" panose="020F0502020204030204" pitchFamily="34" charset="0"/>
+                <a:ea typeface="Calibri" panose="020F0502020204030204" pitchFamily="34" charset="0"/>
+                <a:cs typeface="Arial" panose="020B0604020202020204" pitchFamily="34" charset="0"/>
+              </a:rPr>
+              <a:t>p</a:t>
+            </a:r>
+            <a:r>
+              <a:rPr lang="en-NL" sz="1800" dirty="0">
+                <a:effectLst/>
+                <a:latin typeface="Calibri" panose="020F0502020204030204" pitchFamily="34" charset="0"/>
+                <a:ea typeface="Calibri" panose="020F0502020204030204" pitchFamily="34" charset="0"/>
+                <a:cs typeface="Arial" panose="020B0604020202020204" pitchFamily="34" charset="0"/>
+              </a:rPr>
+              <a:t>eople like money)</a:t>
+            </a:r>
+            <a:r>
+              <a:rPr lang="nl-NL" sz="1800" dirty="0">
+                <a:effectLst/>
+                <a:latin typeface="Calibri" panose="020F0502020204030204" pitchFamily="34" charset="0"/>
+                <a:ea typeface="Calibri" panose="020F0502020204030204" pitchFamily="34" charset="0"/>
+                <a:cs typeface="Arial" panose="020B0604020202020204" pitchFamily="34" charset="0"/>
+              </a:rPr>
+              <a:t>. And you can always see what’s new.</a:t>
+            </a:r>
+          </a:p>
+          <a:p>
+            <a:pPr marL="342900" lvl="0" indent="-342900">
+              <a:lnSpc>
+                <a:spcPct val="107000"/>
+              </a:lnSpc>
+              <a:spcAft>
+                <a:spcPts val="800"/>
+              </a:spcAft>
+              <a:buFont typeface="Calibri" panose="020F0502020204030204" pitchFamily="34" charset="0"/>
+              <a:buChar char="-"/>
+            </a:pPr>
+            <a:r>
+              <a:rPr lang="en-NL" sz="1800" dirty="0">
+                <a:effectLst/>
+                <a:latin typeface="Calibri" panose="020F0502020204030204" pitchFamily="34" charset="0"/>
+                <a:ea typeface="Calibri" panose="020F0502020204030204" pitchFamily="34" charset="0"/>
+                <a:cs typeface="Arial" panose="020B0604020202020204" pitchFamily="34" charset="0"/>
+              </a:rPr>
+              <a:t>You can have the manual on your phone while you are trying out the product.</a:t>
+            </a:r>
+            <a:endParaRPr lang="nl-NL" sz="1800" dirty="0">
+              <a:effectLst/>
+              <a:latin typeface="Calibri" panose="020F0502020204030204" pitchFamily="34" charset="0"/>
+              <a:ea typeface="Calibri" panose="020F0502020204030204" pitchFamily="34" charset="0"/>
+              <a:cs typeface="Arial" panose="020B0604020202020204" pitchFamily="34" charset="0"/>
+            </a:endParaRPr>
+          </a:p>
+          <a:p>
+            <a:endParaRPr lang="nl-NL" dirty="0"/>
+          </a:p>
+        </p:txBody>
+      </p:sp>
+    </p:spTree>
+    <p:extLst>
+      <p:ext uri="{BB962C8B-B14F-4D97-AF65-F5344CB8AC3E}">
+        <p14:creationId xmlns:p14="http://schemas.microsoft.com/office/powerpoint/2010/main" val="1644151112"/>
+      </p:ext>
+    </p:extLst>
+  </p:cSld>
+  <p:clrMapOvr>
+    <a:overrideClrMapping bg1="dk1" tx1="lt1" bg2="dk2" tx2="lt2" accent1="accent1" accent2="accent2" accent3="accent3" accent4="accent4" accent5="accent5" accent6="accent6" hlink="hlink" folHlink="folHlink"/>
+  </p:clrMapOvr>
+</p:sld>
+</file>
+
+<file path=ppt/slides/slide8.xml><?xml version="1.0" encoding="utf-8"?>
+<p:sld xmlns:a="http://schemas.openxmlformats.org/drawingml/2006/main" xmlns:r="http://schemas.openxmlformats.org/officeDocument/2006/relationships" xmlns:p="http://schemas.openxmlformats.org/presentationml/2006/main">
+  <p:cSld>
+    <p:bg>
+      <p:bgPr>
+        <a:solidFill>
+          <a:schemeClr val="bg1">
+            <a:tint val="95000"/>
+            <a:satMod val="170000"/>
+          </a:schemeClr>
+        </a:solidFill>
+        <a:effectLst/>
+      </p:bgPr>
+    </p:bg>
+    <p:spTree>
+      <p:nvGrpSpPr>
+        <p:cNvPr id="1" name=""/>
+        <p:cNvGrpSpPr/>
+        <p:nvPr/>
+      </p:nvGrpSpPr>
+      <p:grpSpPr>
+        <a:xfrm>
+          <a:off x="0" y="0"/>
+          <a:ext cx="0" cy="0"/>
+          <a:chOff x="0" y="0"/>
+          <a:chExt cx="0" cy="0"/>
+        </a:xfrm>
+      </p:grpSpPr>
+      <p:sp useBgFill="1">
+        <p:nvSpPr>
+          <p:cNvPr id="19" name="Rectangle 18">
+            <a:extLst>
+              <a:ext uri="{FF2B5EF4-FFF2-40B4-BE49-F238E27FC236}">
+                <a16:creationId xmlns:a16="http://schemas.microsoft.com/office/drawing/2014/main" id="{8537B233-9CDD-4A90-AABB-A8963DEE4FBC}"/>
+              </a:ext>
+              <a:ext uri="{C183D7F6-B498-43B3-948B-1728B52AA6E4}">
+                <adec:decorative xmlns:adec="http://schemas.microsoft.com/office/drawing/2017/decorative" val="1"/>
+              </a:ext>
+            </a:extLst>
+          </p:cNvPr>
+          <p:cNvSpPr>
+            <a:spLocks noGrp="1" noRot="1" noChangeAspect="1" noMove="1" noResize="1" noEditPoints="1" noAdjustHandles="1" noChangeArrowheads="1" noChangeShapeType="1" noTextEdit="1"/>
+          </p:cNvSpPr>
+          <p:nvPr>
+            <p:extLst>
+              <p:ext uri="{386F3935-93C4-4BCD-93E2-E3B085C9AB24}">
+                <p16:designElem xmlns:p16="http://schemas.microsoft.com/office/powerpoint/2015/main" val="1"/>
+              </p:ext>
+            </p:extLst>
+          </p:nvPr>
+        </p:nvSpPr>
+        <p:spPr>
+          <a:xfrm>
+            <a:off x="0" y="1"/>
+            <a:ext cx="12192000" cy="6858000"/>
+          </a:xfrm>
+          <a:prstGeom prst="rect">
+            <a:avLst/>
+          </a:prstGeom>
+          <a:ln>
+            <a:noFill/>
+          </a:ln>
+        </p:spPr>
+        <p:style>
+          <a:lnRef idx="2">
+            <a:schemeClr val="accent1">
+              <a:shade val="50000"/>
+            </a:schemeClr>
+          </a:lnRef>
+          <a:fillRef idx="1">
+            <a:schemeClr val="accent1"/>
+          </a:fillRef>
+          <a:effectRef idx="0">
+            <a:schemeClr val="accent1"/>
+          </a:effectRef>
+          <a:fontRef idx="minor">
+            <a:schemeClr val="lt1"/>
+          </a:fontRef>
+        </p:style>
+        <p:txBody>
+          <a:bodyPr rtlCol="0" anchor="ctr"/>
+          <a:lstStyle/>
+          <a:p>
+            <a:pPr marL="0" marR="0" lvl="0" indent="0" algn="ctr" defTabSz="914400" rtl="0" eaLnBrk="1" fontAlgn="auto" latinLnBrk="0" hangingPunct="1">
+              <a:lnSpc>
+                <a:spcPct val="100000"/>
+              </a:lnSpc>
+              <a:spcBef>
+                <a:spcPts val="0"/>
+              </a:spcBef>
+              <a:spcAft>
+                <a:spcPts val="0"/>
+              </a:spcAft>
+              <a:buClrTx/>
+              <a:buSzTx/>
+              <a:buFontTx/>
+              <a:buNone/>
+              <a:tabLst/>
+              <a:defRPr/>
+            </a:pPr>
+            <a:endParaRPr kumimoji="0" lang="en-US" sz="1800" b="0" i="0" u="none" strike="noStrike" kern="1200" cap="none" spc="0" normalizeH="0" baseline="0" noProof="0">
+              <a:ln>
+                <a:noFill/>
+              </a:ln>
+              <a:solidFill>
+                <a:prstClr val="white"/>
+              </a:solidFill>
+              <a:effectLst/>
+              <a:uLnTx/>
+              <a:uFillTx/>
+              <a:latin typeface="Tw Cen MT" panose="020B0602020104020603"/>
+              <a:ea typeface="+mn-ea"/>
+              <a:cs typeface="+mn-cs"/>
+            </a:endParaRPr>
+          </a:p>
+        </p:txBody>
+      </p:sp>
+      <p:cxnSp>
+        <p:nvCxnSpPr>
+          <p:cNvPr id="21" name="Straight Connector 20">
+            <a:extLst>
+              <a:ext uri="{FF2B5EF4-FFF2-40B4-BE49-F238E27FC236}">
+                <a16:creationId xmlns:a16="http://schemas.microsoft.com/office/drawing/2014/main" id="{040575EE-C594-4566-BC00-663004E52AB5}"/>
+              </a:ext>
+              <a:ext uri="{C183D7F6-B498-43B3-948B-1728B52AA6E4}">
+                <adec:decorative xmlns:adec="http://schemas.microsoft.com/office/drawing/2017/decorative" val="1"/>
+              </a:ext>
+            </a:extLst>
+          </p:cNvPr>
+          <p:cNvCxnSpPr>
+            <a:cxnSpLocks noGrp="1" noRot="1" noChangeAspect="1" noMove="1" noResize="1" noEditPoints="1" noAdjustHandles="1" noChangeArrowheads="1" noChangeShapeType="1"/>
+          </p:cNvCxnSpPr>
+          <p:nvPr>
+            <p:extLst>
+              <p:ext uri="{386F3935-93C4-4BCD-93E2-E3B085C9AB24}">
+                <p16:designElem xmlns:p16="http://schemas.microsoft.com/office/powerpoint/2015/main" val="1"/>
+              </p:ext>
+            </p:extLst>
+          </p:nvPr>
+        </p:nvCxnSpPr>
+        <p:spPr>
+          <a:xfrm>
+            <a:off x="6150123" y="1417320"/>
+            <a:ext cx="0" cy="4023360"/>
+          </a:xfrm>
+          <a:prstGeom prst="line">
+            <a:avLst/>
+          </a:prstGeom>
+          <a:ln w="15875">
+            <a:solidFill>
+              <a:schemeClr val="tx1"/>
+            </a:solidFill>
+          </a:ln>
+        </p:spPr>
+        <p:style>
+          <a:lnRef idx="1">
+            <a:schemeClr val="accent1"/>
+          </a:lnRef>
+          <a:fillRef idx="0">
+            <a:schemeClr val="accent1"/>
+          </a:fillRef>
+          <a:effectRef idx="0">
+            <a:schemeClr val="accent1"/>
+          </a:effectRef>
+          <a:fontRef idx="minor">
+            <a:schemeClr val="tx1"/>
+          </a:fontRef>
+        </p:style>
+      </p:cxnSp>
+      <p:pic>
+        <p:nvPicPr>
+          <p:cNvPr id="5" name="Afbeelding 4">
+            <a:extLst>
+              <a:ext uri="{FF2B5EF4-FFF2-40B4-BE49-F238E27FC236}">
+                <a16:creationId xmlns:a16="http://schemas.microsoft.com/office/drawing/2014/main" id="{200EF1A4-C952-4ECF-9B66-B5EC7FAC49FD}"/>
+              </a:ext>
+            </a:extLst>
+          </p:cNvPr>
+          <p:cNvPicPr>
+            <a:picLocks noChangeAspect="1"/>
+          </p:cNvPicPr>
+          <p:nvPr/>
+        </p:nvPicPr>
+        <p:blipFill>
+          <a:blip r:embed="rId2"/>
+          <a:stretch>
+            <a:fillRect/>
+          </a:stretch>
+        </p:blipFill>
+        <p:spPr>
+          <a:xfrm>
+            <a:off x="5972157" y="1047417"/>
+            <a:ext cx="247685" cy="4763165"/>
+          </a:xfrm>
+          <a:prstGeom prst="rect">
+            <a:avLst/>
+          </a:prstGeom>
+        </p:spPr>
+      </p:pic>
+      <p:sp>
+        <p:nvSpPr>
+          <p:cNvPr id="2" name="Tekstvak 1">
+            <a:extLst>
+              <a:ext uri="{FF2B5EF4-FFF2-40B4-BE49-F238E27FC236}">
+                <a16:creationId xmlns:a16="http://schemas.microsoft.com/office/drawing/2014/main" id="{630CA4D2-D2BF-44EF-94A5-93594FDD982F}"/>
+              </a:ext>
+            </a:extLst>
+          </p:cNvPr>
+          <p:cNvSpPr txBox="1"/>
+          <p:nvPr/>
+        </p:nvSpPr>
+        <p:spPr>
+          <a:xfrm>
+            <a:off x="3234511" y="1063377"/>
+            <a:ext cx="5970661" cy="707886"/>
+          </a:xfrm>
+          <a:prstGeom prst="rect">
+            <a:avLst/>
+          </a:prstGeom>
+          <a:noFill/>
+        </p:spPr>
+        <p:txBody>
+          <a:bodyPr wrap="square" rtlCol="0">
+            <a:spAutoFit/>
+          </a:bodyPr>
+          <a:lstStyle/>
+          <a:p>
+            <a:pPr algn="ctr"/>
+            <a:r>
+              <a:rPr lang="nl-NL" sz="4000" dirty="0"/>
+              <a:t>Playful Experience</a:t>
+            </a:r>
+          </a:p>
+        </p:txBody>
+      </p:sp>
+      <p:sp>
+        <p:nvSpPr>
+          <p:cNvPr id="3" name="Tekstvak 2">
+            <a:extLst>
+              <a:ext uri="{FF2B5EF4-FFF2-40B4-BE49-F238E27FC236}">
+                <a16:creationId xmlns:a16="http://schemas.microsoft.com/office/drawing/2014/main" id="{97643FDB-918A-4BEC-A62D-3CA5D2C5BDDA}"/>
+              </a:ext>
+            </a:extLst>
+          </p:cNvPr>
+          <p:cNvSpPr txBox="1"/>
+          <p:nvPr/>
+        </p:nvSpPr>
+        <p:spPr>
+          <a:xfrm>
+            <a:off x="914401" y="1946113"/>
+            <a:ext cx="11115411" cy="2153731"/>
+          </a:xfrm>
+          <a:prstGeom prst="rect">
+            <a:avLst/>
+          </a:prstGeom>
+          <a:noFill/>
+        </p:spPr>
+        <p:txBody>
+          <a:bodyPr wrap="square" rtlCol="0">
+            <a:spAutoFit/>
+          </a:bodyPr>
+          <a:lstStyle/>
+          <a:p>
+            <a:pPr marL="342900" lvl="0" indent="-342900">
+              <a:lnSpc>
+                <a:spcPct val="107000"/>
+              </a:lnSpc>
+              <a:buFont typeface="Calibri" panose="020F0502020204030204" pitchFamily="34" charset="0"/>
+              <a:buChar char="-"/>
+            </a:pPr>
+            <a:r>
+              <a:rPr lang="en-NL" sz="1800" dirty="0">
+                <a:effectLst/>
+                <a:latin typeface="Calibri" panose="020F0502020204030204" pitchFamily="34" charset="0"/>
+                <a:ea typeface="Calibri" panose="020F0502020204030204" pitchFamily="34" charset="0"/>
+                <a:cs typeface="Arial" panose="020B0604020202020204" pitchFamily="34" charset="0"/>
+              </a:rPr>
+              <a:t>Instead of a simple survey form, give the questions one by one with a transition animation.</a:t>
+            </a:r>
+            <a:endParaRPr lang="nl-NL" sz="1800" dirty="0">
+              <a:effectLst/>
+              <a:latin typeface="Calibri" panose="020F0502020204030204" pitchFamily="34" charset="0"/>
+              <a:ea typeface="Calibri" panose="020F0502020204030204" pitchFamily="34" charset="0"/>
+              <a:cs typeface="Arial" panose="020B0604020202020204" pitchFamily="34" charset="0"/>
+            </a:endParaRPr>
+          </a:p>
+          <a:p>
+            <a:pPr marL="342900" lvl="0" indent="-342900">
+              <a:lnSpc>
+                <a:spcPct val="107000"/>
+              </a:lnSpc>
+              <a:buFont typeface="Calibri" panose="020F0502020204030204" pitchFamily="34" charset="0"/>
+              <a:buChar char="-"/>
+            </a:pPr>
+            <a:r>
+              <a:rPr lang="en-NL" sz="1800" dirty="0">
+                <a:effectLst/>
+                <a:latin typeface="Calibri" panose="020F0502020204030204" pitchFamily="34" charset="0"/>
+                <a:ea typeface="Calibri" panose="020F0502020204030204" pitchFamily="34" charset="0"/>
+                <a:cs typeface="Arial" panose="020B0604020202020204" pitchFamily="34" charset="0"/>
+              </a:rPr>
+              <a:t>Maybe when you apply for a product, it will ‘fly’ into your profile or to the product owner.</a:t>
+            </a:r>
+            <a:endParaRPr lang="nl-NL" sz="1800" dirty="0">
+              <a:effectLst/>
+              <a:latin typeface="Calibri" panose="020F0502020204030204" pitchFamily="34" charset="0"/>
+              <a:ea typeface="Calibri" panose="020F0502020204030204" pitchFamily="34" charset="0"/>
+              <a:cs typeface="Arial" panose="020B0604020202020204" pitchFamily="34" charset="0"/>
+            </a:endParaRPr>
+          </a:p>
+          <a:p>
+            <a:pPr marL="342900" lvl="0" indent="-342900">
+              <a:lnSpc>
+                <a:spcPct val="107000"/>
+              </a:lnSpc>
+              <a:buFont typeface="Calibri" panose="020F0502020204030204" pitchFamily="34" charset="0"/>
+              <a:buChar char="-"/>
+            </a:pPr>
+            <a:r>
+              <a:rPr lang="en-NL" sz="1800" dirty="0">
+                <a:effectLst/>
+                <a:latin typeface="Calibri" panose="020F0502020204030204" pitchFamily="34" charset="0"/>
+                <a:ea typeface="Calibri" panose="020F0502020204030204" pitchFamily="34" charset="0"/>
+                <a:cs typeface="Arial" panose="020B0604020202020204" pitchFamily="34" charset="0"/>
+              </a:rPr>
+              <a:t>Level/ Title for experienced reviewer, this gives them validation (and possibly motivation) for their work as well.</a:t>
+            </a:r>
+            <a:endParaRPr lang="nl-NL" sz="1800" dirty="0">
+              <a:effectLst/>
+              <a:latin typeface="Calibri" panose="020F0502020204030204" pitchFamily="34" charset="0"/>
+              <a:ea typeface="Calibri" panose="020F0502020204030204" pitchFamily="34" charset="0"/>
+              <a:cs typeface="Arial" panose="020B0604020202020204" pitchFamily="34" charset="0"/>
+            </a:endParaRPr>
+          </a:p>
+          <a:p>
+            <a:pPr marL="342900" lvl="0" indent="-342900">
+              <a:lnSpc>
+                <a:spcPct val="107000"/>
+              </a:lnSpc>
+              <a:buFont typeface="Calibri" panose="020F0502020204030204" pitchFamily="34" charset="0"/>
+              <a:buChar char="-"/>
+            </a:pPr>
+            <a:r>
+              <a:rPr lang="en-NL" sz="1800" dirty="0">
+                <a:effectLst/>
+                <a:latin typeface="Calibri" panose="020F0502020204030204" pitchFamily="34" charset="0"/>
+                <a:ea typeface="Calibri" panose="020F0502020204030204" pitchFamily="34" charset="0"/>
+                <a:cs typeface="Arial" panose="020B0604020202020204" pitchFamily="34" charset="0"/>
+              </a:rPr>
+              <a:t>Achievements/badges.</a:t>
+            </a:r>
+            <a:endParaRPr lang="nl-NL" sz="1800" dirty="0">
+              <a:effectLst/>
+              <a:latin typeface="Calibri" panose="020F0502020204030204" pitchFamily="34" charset="0"/>
+              <a:ea typeface="Calibri" panose="020F0502020204030204" pitchFamily="34" charset="0"/>
+              <a:cs typeface="Arial" panose="020B0604020202020204" pitchFamily="34" charset="0"/>
+            </a:endParaRPr>
+          </a:p>
+          <a:p>
+            <a:pPr marL="342900" lvl="0" indent="-342900">
+              <a:lnSpc>
+                <a:spcPct val="107000"/>
+              </a:lnSpc>
+              <a:buFont typeface="Calibri" panose="020F0502020204030204" pitchFamily="34" charset="0"/>
+              <a:buChar char="-"/>
+            </a:pPr>
+            <a:r>
+              <a:rPr lang="en-NL" sz="1800" dirty="0">
+                <a:effectLst/>
+                <a:latin typeface="Calibri" panose="020F0502020204030204" pitchFamily="34" charset="0"/>
+                <a:ea typeface="Calibri" panose="020F0502020204030204" pitchFamily="34" charset="0"/>
+                <a:cs typeface="Arial" panose="020B0604020202020204" pitchFamily="34" charset="0"/>
+              </a:rPr>
+              <a:t>Statistics.</a:t>
+            </a:r>
+            <a:endParaRPr lang="nl-NL" sz="1800" dirty="0">
+              <a:effectLst/>
+              <a:latin typeface="Calibri" panose="020F0502020204030204" pitchFamily="34" charset="0"/>
+              <a:ea typeface="Calibri" panose="020F0502020204030204" pitchFamily="34" charset="0"/>
+              <a:cs typeface="Arial" panose="020B0604020202020204" pitchFamily="34" charset="0"/>
+            </a:endParaRPr>
+          </a:p>
+          <a:p>
+            <a:pPr marL="342900" lvl="0" indent="-342900">
+              <a:lnSpc>
+                <a:spcPct val="107000"/>
+              </a:lnSpc>
+              <a:buFont typeface="Calibri" panose="020F0502020204030204" pitchFamily="34" charset="0"/>
+              <a:buChar char="-"/>
+            </a:pPr>
+            <a:r>
+              <a:rPr lang="en-NL" sz="1800" dirty="0">
+                <a:effectLst/>
+                <a:latin typeface="Calibri" panose="020F0502020204030204" pitchFamily="34" charset="0"/>
+                <a:ea typeface="Calibri" panose="020F0502020204030204" pitchFamily="34" charset="0"/>
+                <a:cs typeface="Arial" panose="020B0604020202020204" pitchFamily="34" charset="0"/>
+              </a:rPr>
+              <a:t>Possible sign in streak?</a:t>
+            </a:r>
+            <a:endParaRPr lang="nl-NL" sz="1800" dirty="0">
+              <a:effectLst/>
+              <a:latin typeface="Calibri" panose="020F0502020204030204" pitchFamily="34" charset="0"/>
+              <a:ea typeface="Calibri" panose="020F0502020204030204" pitchFamily="34" charset="0"/>
+              <a:cs typeface="Arial" panose="020B0604020202020204" pitchFamily="34" charset="0"/>
+            </a:endParaRPr>
+          </a:p>
+          <a:p>
+            <a:pPr marL="342900" lvl="0" indent="-342900">
+              <a:lnSpc>
+                <a:spcPct val="107000"/>
+              </a:lnSpc>
+              <a:spcAft>
+                <a:spcPts val="800"/>
+              </a:spcAft>
+              <a:buFont typeface="Calibri" panose="020F0502020204030204" pitchFamily="34" charset="0"/>
+              <a:buChar char="-"/>
+            </a:pPr>
+            <a:r>
+              <a:rPr lang="en-NL" sz="1800" dirty="0">
+                <a:effectLst/>
+                <a:latin typeface="Calibri" panose="020F0502020204030204" pitchFamily="34" charset="0"/>
+                <a:ea typeface="Calibri" panose="020F0502020204030204" pitchFamily="34" charset="0"/>
+                <a:cs typeface="Arial" panose="020B0604020202020204" pitchFamily="34" charset="0"/>
+              </a:rPr>
+              <a:t>Depending on amount of product “Only… left”, and a rarity indicator.</a:t>
+            </a:r>
+            <a:endParaRPr lang="nl-NL" sz="1800" dirty="0">
+              <a:effectLst/>
+              <a:latin typeface="Calibri" panose="020F0502020204030204" pitchFamily="34" charset="0"/>
+              <a:ea typeface="Calibri" panose="020F0502020204030204" pitchFamily="34" charset="0"/>
+              <a:cs typeface="Arial" panose="020B0604020202020204" pitchFamily="34" charset="0"/>
+            </a:endParaRPr>
+          </a:p>
+        </p:txBody>
+      </p:sp>
+    </p:spTree>
+    <p:extLst>
+      <p:ext uri="{BB962C8B-B14F-4D97-AF65-F5344CB8AC3E}">
+        <p14:creationId xmlns:p14="http://schemas.microsoft.com/office/powerpoint/2010/main" val="383641279"/>
+      </p:ext>
+    </p:extLst>
+  </p:cSld>
+  <p:clrMapOvr>
+    <a:overrideClrMapping bg1="dk1" tx1="lt1" bg2="dk2" tx2="lt2" accent1="accent1" accent2="accent2" accent3="accent3" accent4="accent4" accent5="accent5" accent6="accent6" hlink="hlink" folHlink="folHlink"/>
+  </p:clrMapOvr>
+</p:sld>
+</file>
+
+<file path=ppt/slides/slide9.xml><?xml version="1.0" encoding="utf-8"?>
 <p:sld xmlns:a="http://schemas.openxmlformats.org/drawingml/2006/main" xmlns:r="http://schemas.openxmlformats.org/officeDocument/2006/relationships" xmlns:p="http://schemas.openxmlformats.org/presentationml/2006/main">
   <p:cSld>
     <p:bg>
